--- a/mm360-overview.pptx
+++ b/mm360-overview.pptx
@@ -13,6 +13,7 @@
     <p:sldId id="262" r:id="rId7"/>
     <p:sldId id="263" r:id="rId8"/>
     <p:sldId id="261" r:id="rId9"/>
+    <p:sldId id="264" r:id="rId10"/>
   </p:sldIdLst>
   <p:sldSz cx="12192000" cy="6858000"/>
   <p:notesSz cx="6858000" cy="9144000"/>
@@ -111,6 +112,11 @@
       </a:defRPr>
     </a:lvl9pPr>
   </p:defaultTextStyle>
+  <p:extLst>
+    <p:ext uri="{EFAFB233-063F-42B5-8137-9DF3F51BA10A}">
+      <p15:sldGuideLst xmlns:p15="http://schemas.microsoft.com/office/powerpoint/2012/main"/>
+    </p:ext>
+  </p:extLst>
 </p:presentation>
 </file>
 
@@ -300,7 +306,7 @@
           <a:p>
             <a:fld id="{4AAD347D-5ACD-4C99-B74B-A9C85AD731AF}" type="datetimeFigureOut">
               <a:rPr lang="en-US" dirty="0"/>
-              <a:t>9/20/18</a:t>
+              <a:t>9/22/18</a:t>
             </a:fld>
             <a:endParaRPr lang="en-US" dirty="0"/>
           </a:p>
@@ -570,7 +576,7 @@
           <a:p>
             <a:fld id="{4509A250-FF31-4206-8172-F9D3106AACB1}" type="datetimeFigureOut">
               <a:rPr lang="en-US" dirty="0"/>
-              <a:t>9/20/18</a:t>
+              <a:t>9/22/18</a:t>
             </a:fld>
             <a:endParaRPr lang="en-US" dirty="0"/>
           </a:p>
@@ -759,7 +765,7 @@
           <a:p>
             <a:fld id="{4509A250-FF31-4206-8172-F9D3106AACB1}" type="datetimeFigureOut">
               <a:rPr lang="en-US" dirty="0"/>
-              <a:t>9/20/18</a:t>
+              <a:t>9/22/18</a:t>
             </a:fld>
             <a:endParaRPr lang="en-US" dirty="0"/>
           </a:p>
@@ -1027,7 +1033,7 @@
           <a:p>
             <a:fld id="{4509A250-FF31-4206-8172-F9D3106AACB1}" type="datetimeFigureOut">
               <a:rPr lang="en-US" dirty="0"/>
-              <a:t>9/20/18</a:t>
+              <a:t>9/22/18</a:t>
             </a:fld>
             <a:endParaRPr lang="en-US" dirty="0"/>
           </a:p>
@@ -1363,7 +1369,7 @@
           <a:p>
             <a:fld id="{4509A250-FF31-4206-8172-F9D3106AACB1}" type="datetimeFigureOut">
               <a:rPr lang="en-US" dirty="0"/>
-              <a:t>9/20/18</a:t>
+              <a:t>9/22/18</a:t>
             </a:fld>
             <a:endParaRPr lang="en-US" dirty="0"/>
           </a:p>
@@ -1981,7 +1987,7 @@
           <a:p>
             <a:fld id="{4509A250-FF31-4206-8172-F9D3106AACB1}" type="datetimeFigureOut">
               <a:rPr lang="en-US" dirty="0"/>
-              <a:t>9/20/18</a:t>
+              <a:t>9/22/18</a:t>
             </a:fld>
             <a:endParaRPr lang="en-US" dirty="0"/>
           </a:p>
@@ -2836,7 +2842,7 @@
           <a:p>
             <a:fld id="{4509A250-FF31-4206-8172-F9D3106AACB1}" type="datetimeFigureOut">
               <a:rPr lang="en-US" dirty="0"/>
-              <a:t>9/20/18</a:t>
+              <a:t>9/22/18</a:t>
             </a:fld>
             <a:endParaRPr lang="en-US" dirty="0"/>
           </a:p>
@@ -3001,7 +3007,7 @@
           <a:p>
             <a:fld id="{4509A250-FF31-4206-8172-F9D3106AACB1}" type="datetimeFigureOut">
               <a:rPr lang="en-US" dirty="0"/>
-              <a:t>9/20/18</a:t>
+              <a:t>9/22/18</a:t>
             </a:fld>
             <a:endParaRPr lang="en-US" dirty="0"/>
           </a:p>
@@ -3176,7 +3182,7 @@
           <a:p>
             <a:fld id="{4509A250-FF31-4206-8172-F9D3106AACB1}" type="datetimeFigureOut">
               <a:rPr lang="en-US" dirty="0"/>
-              <a:t>9/20/18</a:t>
+              <a:t>9/22/18</a:t>
             </a:fld>
             <a:endParaRPr lang="en-US" dirty="0"/>
           </a:p>
@@ -3341,7 +3347,7 @@
           <a:p>
             <a:fld id="{4509A250-FF31-4206-8172-F9D3106AACB1}" type="datetimeFigureOut">
               <a:rPr lang="en-US" dirty="0"/>
-              <a:t>9/20/18</a:t>
+              <a:t>9/22/18</a:t>
             </a:fld>
             <a:endParaRPr lang="en-US" dirty="0"/>
           </a:p>
@@ -3583,7 +3589,7 @@
           <a:p>
             <a:fld id="{9796027F-7875-4030-9381-8BD8C4F21935}" type="datetimeFigureOut">
               <a:rPr lang="en-US" dirty="0"/>
-              <a:t>9/20/18</a:t>
+              <a:t>9/22/18</a:t>
             </a:fld>
             <a:endParaRPr lang="en-US" dirty="0"/>
           </a:p>
@@ -3870,7 +3876,7 @@
           <a:p>
             <a:fld id="{9796027F-7875-4030-9381-8BD8C4F21935}" type="datetimeFigureOut">
               <a:rPr lang="en-US" dirty="0"/>
-              <a:t>9/20/18</a:t>
+              <a:t>9/22/18</a:t>
             </a:fld>
             <a:endParaRPr lang="en-US" dirty="0"/>
           </a:p>
@@ -4309,7 +4315,7 @@
           <a:p>
             <a:fld id="{9796027F-7875-4030-9381-8BD8C4F21935}" type="datetimeFigureOut">
               <a:rPr lang="en-US" dirty="0"/>
-              <a:t>9/20/18</a:t>
+              <a:t>9/22/18</a:t>
             </a:fld>
             <a:endParaRPr lang="en-US" dirty="0"/>
           </a:p>
@@ -4422,7 +4428,7 @@
           <a:p>
             <a:fld id="{4509A250-FF31-4206-8172-F9D3106AACB1}" type="datetimeFigureOut">
               <a:rPr lang="en-US" dirty="0"/>
-              <a:t>9/20/18</a:t>
+              <a:t>9/22/18</a:t>
             </a:fld>
             <a:endParaRPr lang="en-US" dirty="0"/>
           </a:p>
@@ -4512,7 +4518,7 @@
           <a:p>
             <a:fld id="{4509A250-FF31-4206-8172-F9D3106AACB1}" type="datetimeFigureOut">
               <a:rPr lang="en-US" dirty="0"/>
-              <a:t>9/20/18</a:t>
+              <a:t>9/22/18</a:t>
             </a:fld>
             <a:endParaRPr lang="en-US" dirty="0"/>
           </a:p>
@@ -4786,7 +4792,7 @@
           <a:p>
             <a:fld id="{4509A250-FF31-4206-8172-F9D3106AACB1}" type="datetimeFigureOut">
               <a:rPr lang="en-US" dirty="0"/>
-              <a:t>9/20/18</a:t>
+              <a:t>9/22/18</a:t>
             </a:fld>
             <a:endParaRPr lang="en-US" dirty="0"/>
           </a:p>
@@ -5056,7 +5062,7 @@
           <a:p>
             <a:fld id="{4509A250-FF31-4206-8172-F9D3106AACB1}" type="datetimeFigureOut">
               <a:rPr lang="en-US" dirty="0"/>
-              <a:t>9/20/18</a:t>
+              <a:t>9/22/18</a:t>
             </a:fld>
             <a:endParaRPr lang="en-US" dirty="0"/>
           </a:p>
@@ -5480,7 +5486,7 @@
           <a:p>
             <a:fld id="{4AAD347D-5ACD-4C99-B74B-A9C85AD731AF}" type="datetimeFigureOut">
               <a:rPr lang="en-US" dirty="0"/>
-              <a:t>9/20/18</a:t>
+              <a:t>9/22/18</a:t>
             </a:fld>
             <a:endParaRPr lang="en-US" dirty="0"/>
           </a:p>
@@ -7662,6 +7668,135 @@
 </p:sld>
 </file>
 
+<file path=ppt/slides/slide9.xml><?xml version="1.0" encoding="utf-8"?>
+<p:sld xmlns:a="http://schemas.openxmlformats.org/drawingml/2006/main" xmlns:r="http://schemas.openxmlformats.org/officeDocument/2006/relationships" xmlns:p="http://schemas.openxmlformats.org/presentationml/2006/main">
+  <p:cSld>
+    <p:spTree>
+      <p:nvGrpSpPr>
+        <p:cNvPr id="1" name=""/>
+        <p:cNvGrpSpPr/>
+        <p:nvPr/>
+      </p:nvGrpSpPr>
+      <p:grpSpPr>
+        <a:xfrm>
+          <a:off x="0" y="0"/>
+          <a:ext cx="0" cy="0"/>
+          <a:chOff x="0" y="0"/>
+          <a:chExt cx="0" cy="0"/>
+        </a:xfrm>
+      </p:grpSpPr>
+      <p:sp>
+        <p:nvSpPr>
+          <p:cNvPr id="2" name="Title 1">
+            <a:extLst>
+              <a:ext uri="{FF2B5EF4-FFF2-40B4-BE49-F238E27FC236}">
+                <a16:creationId xmlns:a16="http://schemas.microsoft.com/office/drawing/2014/main" id="{FD0D1136-333A-FA4C-A960-A0D21D6BBB55}"/>
+              </a:ext>
+            </a:extLst>
+          </p:cNvPr>
+          <p:cNvSpPr>
+            <a:spLocks noGrp="1"/>
+          </p:cNvSpPr>
+          <p:nvPr>
+            <p:ph type="title"/>
+          </p:nvPr>
+        </p:nvSpPr>
+        <p:spPr/>
+        <p:txBody>
+          <a:bodyPr/>
+          <a:lstStyle/>
+          <a:p>
+            <a:r>
+              <a:rPr lang="en-US" dirty="0"/>
+              <a:t>Appendix</a:t>
+            </a:r>
+          </a:p>
+        </p:txBody>
+      </p:sp>
+      <p:sp>
+        <p:nvSpPr>
+          <p:cNvPr id="3" name="Content Placeholder 2">
+            <a:extLst>
+              <a:ext uri="{FF2B5EF4-FFF2-40B4-BE49-F238E27FC236}">
+                <a16:creationId xmlns:a16="http://schemas.microsoft.com/office/drawing/2014/main" id="{1B452638-60AB-9F4B-BFE8-03C599FF7144}"/>
+              </a:ext>
+            </a:extLst>
+          </p:cNvPr>
+          <p:cNvSpPr>
+            <a:spLocks noGrp="1"/>
+          </p:cNvSpPr>
+          <p:nvPr>
+            <p:ph idx="1"/>
+          </p:nvPr>
+        </p:nvSpPr>
+        <p:spPr/>
+        <p:txBody>
+          <a:bodyPr/>
+          <a:lstStyle/>
+          <a:p>
+            <a:r>
+              <a:rPr lang="en-US" dirty="0">
+                <a:hlinkClick r:id="rId2"/>
+              </a:rPr>
+              <a:t>https://en.wikipedia.org/wiki/Music_and_emotion</a:t>
+            </a:r>
+            <a:endParaRPr lang="en-US" dirty="0"/>
+          </a:p>
+          <a:p>
+            <a:r>
+              <a:rPr lang="en-US" dirty="0">
+                <a:hlinkClick r:id="rId3"/>
+              </a:rPr>
+              <a:t>https://arxiv.org/pdf/1809.07276.pdf</a:t>
+            </a:r>
+            <a:endParaRPr lang="en-US" dirty="0"/>
+          </a:p>
+          <a:p>
+            <a:r>
+              <a:rPr lang="en-US" dirty="0">
+                <a:hlinkClick r:id="rId4"/>
+              </a:rPr>
+              <a:t>https://pdfs.semanticscholar.org/522f/26b2b4999b619f0b4d48b2ef0fb7fdacd94d.pdf</a:t>
+            </a:r>
+            <a:endParaRPr lang="en-US" dirty="0"/>
+          </a:p>
+          <a:p>
+            <a:r>
+              <a:rPr lang="en-US" dirty="0"/>
+              <a:t>https://</a:t>
+            </a:r>
+            <a:r>
+              <a:rPr lang="en-US" dirty="0" err="1"/>
+              <a:t>www.ncbi.nlm.nih.gov</a:t>
+            </a:r>
+            <a:r>
+              <a:rPr lang="en-US" dirty="0"/>
+              <a:t>/</a:t>
+            </a:r>
+            <a:r>
+              <a:rPr lang="en-US" dirty="0" err="1"/>
+              <a:t>pmc</a:t>
+            </a:r>
+            <a:r>
+              <a:rPr lang="en-US" dirty="0"/>
+              <a:t>/articles/PMC4894878/</a:t>
+            </a:r>
+          </a:p>
+        </p:txBody>
+      </p:sp>
+    </p:spTree>
+    <p:extLst>
+      <p:ext uri="{BB962C8B-B14F-4D97-AF65-F5344CB8AC3E}">
+        <p14:creationId xmlns:p14="http://schemas.microsoft.com/office/powerpoint/2010/main" val="3471859327"/>
+      </p:ext>
+    </p:extLst>
+  </p:cSld>
+  <p:clrMapOvr>
+    <a:masterClrMapping/>
+  </p:clrMapOvr>
+</p:sld>
+</file>
+
 <file path=ppt/theme/theme1.xml><?xml version="1.0" encoding="utf-8"?>
 <a:theme xmlns:a="http://schemas.openxmlformats.org/drawingml/2006/main" name="Ion">
   <a:themeElements>
